--- a/ppt 16-9/0161.奋兴会歌.pptx
+++ b/ppt 16-9/0161.奋兴会歌.pptx
@@ -5,7 +5,7 @@
     <p:sldMasterId id="2147483648" r:id="rId1"/>
   </p:sldMasterIdLst>
   <p:sldIdLst>
-    <p:sldId id="2761" r:id="rId2"/>
+    <p:sldId id="2762" r:id="rId2"/>
   </p:sldIdLst>
   <p:sldSz cx="12192000" cy="6858000"/>
   <p:notesSz cx="6858000" cy="9144000"/>
@@ -129,7 +129,7 @@
           <p:cNvPr id="2" name="标题 1">
             <a:extLst>
               <a:ext uri="{FF2B5EF4-FFF2-40B4-BE49-F238E27FC236}">
-                <a16:creationId xmlns:a16="http://schemas.microsoft.com/office/drawing/2014/main" id="{35EF9A89-6DBF-B4D9-E233-61966E75F44B}"/>
+                <a16:creationId xmlns:a16="http://schemas.microsoft.com/office/drawing/2014/main" id="{0F396BE7-D6C9-8181-CD76-3817F45CEFD7}"/>
               </a:ext>
             </a:extLst>
           </p:cNvPr>
@@ -166,7 +166,7 @@
           <p:cNvPr id="3" name="副标题 2">
             <a:extLst>
               <a:ext uri="{FF2B5EF4-FFF2-40B4-BE49-F238E27FC236}">
-                <a16:creationId xmlns:a16="http://schemas.microsoft.com/office/drawing/2014/main" id="{7DC2F7D0-4B49-70C6-9729-631C4A851345}"/>
+                <a16:creationId xmlns:a16="http://schemas.microsoft.com/office/drawing/2014/main" id="{09AA353B-4C0B-7802-6468-381EDEB26923}"/>
               </a:ext>
             </a:extLst>
           </p:cNvPr>
@@ -236,7 +236,7 @@
           <p:cNvPr id="4" name="日期占位符 3">
             <a:extLst>
               <a:ext uri="{FF2B5EF4-FFF2-40B4-BE49-F238E27FC236}">
-                <a16:creationId xmlns:a16="http://schemas.microsoft.com/office/drawing/2014/main" id="{CC39EE96-4F6A-D205-5374-0C309AB462C9}"/>
+                <a16:creationId xmlns:a16="http://schemas.microsoft.com/office/drawing/2014/main" id="{73681D91-668F-B5A4-817B-CB3061EB101B}"/>
               </a:ext>
             </a:extLst>
           </p:cNvPr>
@@ -252,7 +252,7 @@
           <a:bodyPr/>
           <a:lstStyle/>
           <a:p>
-            <a:fld id="{76827FB9-D711-4EBA-9DB8-70F9BD0C58C5}" type="datetimeFigureOut">
+            <a:fld id="{766D612D-3A50-4E64-AC8F-9A49F3D0CF7D}" type="datetimeFigureOut">
               <a:rPr lang="zh-CN" altLang="en-US" smtClean="0"/>
               <a:t>2024/3/10</a:t>
             </a:fld>
@@ -265,7 +265,7 @@
           <p:cNvPr id="5" name="页脚占位符 4">
             <a:extLst>
               <a:ext uri="{FF2B5EF4-FFF2-40B4-BE49-F238E27FC236}">
-                <a16:creationId xmlns:a16="http://schemas.microsoft.com/office/drawing/2014/main" id="{84677138-031D-D143-0DA3-5A77497AE469}"/>
+                <a16:creationId xmlns:a16="http://schemas.microsoft.com/office/drawing/2014/main" id="{D31423F9-1521-F426-C309-72DE25BC6F99}"/>
               </a:ext>
             </a:extLst>
           </p:cNvPr>
@@ -290,7 +290,7 @@
           <p:cNvPr id="6" name="灯片编号占位符 5">
             <a:extLst>
               <a:ext uri="{FF2B5EF4-FFF2-40B4-BE49-F238E27FC236}">
-                <a16:creationId xmlns:a16="http://schemas.microsoft.com/office/drawing/2014/main" id="{72FAFDCF-761E-691B-6190-C2F064FF0C46}"/>
+                <a16:creationId xmlns:a16="http://schemas.microsoft.com/office/drawing/2014/main" id="{EB1F456F-BB0C-9F92-6FB1-4CC7ABCCF070}"/>
               </a:ext>
             </a:extLst>
           </p:cNvPr>
@@ -306,7 +306,7 @@
           <a:bodyPr/>
           <a:lstStyle/>
           <a:p>
-            <a:fld id="{EDB0B158-4505-400A-830A-DD9001AC0768}" type="slidenum">
+            <a:fld id="{77F1E995-8A44-4BAB-8D1C-E104D2A86025}" type="slidenum">
               <a:rPr lang="zh-CN" altLang="en-US" smtClean="0"/>
               <a:t>‹#›</a:t>
             </a:fld>
@@ -317,7 +317,7 @@
     </p:spTree>
     <p:extLst>
       <p:ext uri="{BB962C8B-B14F-4D97-AF65-F5344CB8AC3E}">
-        <p14:creationId xmlns:p14="http://schemas.microsoft.com/office/powerpoint/2010/main" val="2581433126"/>
+        <p14:creationId xmlns:p14="http://schemas.microsoft.com/office/powerpoint/2010/main" val="393648238"/>
       </p:ext>
     </p:extLst>
   </p:cSld>
@@ -349,7 +349,7 @@
           <p:cNvPr id="2" name="标题 1">
             <a:extLst>
               <a:ext uri="{FF2B5EF4-FFF2-40B4-BE49-F238E27FC236}">
-                <a16:creationId xmlns:a16="http://schemas.microsoft.com/office/drawing/2014/main" id="{2CAB0EB5-A876-7E21-D85A-5FDAD078B7D9}"/>
+                <a16:creationId xmlns:a16="http://schemas.microsoft.com/office/drawing/2014/main" id="{542EBE82-3FF2-4102-CE8C-601BC618A0A8}"/>
               </a:ext>
             </a:extLst>
           </p:cNvPr>
@@ -377,7 +377,7 @@
           <p:cNvPr id="3" name="竖排文字占位符 2">
             <a:extLst>
               <a:ext uri="{FF2B5EF4-FFF2-40B4-BE49-F238E27FC236}">
-                <a16:creationId xmlns:a16="http://schemas.microsoft.com/office/drawing/2014/main" id="{52B9B325-A382-E0AC-101C-C9DFFCDA0F76}"/>
+                <a16:creationId xmlns:a16="http://schemas.microsoft.com/office/drawing/2014/main" id="{A9D2A2D9-EFB6-28DA-CE07-70CC270D75A9}"/>
               </a:ext>
             </a:extLst>
           </p:cNvPr>
@@ -434,7 +434,7 @@
           <p:cNvPr id="4" name="日期占位符 3">
             <a:extLst>
               <a:ext uri="{FF2B5EF4-FFF2-40B4-BE49-F238E27FC236}">
-                <a16:creationId xmlns:a16="http://schemas.microsoft.com/office/drawing/2014/main" id="{75275F6D-E6A6-6044-904A-C619EEA58960}"/>
+                <a16:creationId xmlns:a16="http://schemas.microsoft.com/office/drawing/2014/main" id="{41143025-BBDA-0809-D6F2-87BB258E4975}"/>
               </a:ext>
             </a:extLst>
           </p:cNvPr>
@@ -450,7 +450,7 @@
           <a:bodyPr/>
           <a:lstStyle/>
           <a:p>
-            <a:fld id="{76827FB9-D711-4EBA-9DB8-70F9BD0C58C5}" type="datetimeFigureOut">
+            <a:fld id="{766D612D-3A50-4E64-AC8F-9A49F3D0CF7D}" type="datetimeFigureOut">
               <a:rPr lang="zh-CN" altLang="en-US" smtClean="0"/>
               <a:t>2024/3/10</a:t>
             </a:fld>
@@ -463,7 +463,7 @@
           <p:cNvPr id="5" name="页脚占位符 4">
             <a:extLst>
               <a:ext uri="{FF2B5EF4-FFF2-40B4-BE49-F238E27FC236}">
-                <a16:creationId xmlns:a16="http://schemas.microsoft.com/office/drawing/2014/main" id="{48CA5C25-6CD2-C63E-0E3D-CD433C86649E}"/>
+                <a16:creationId xmlns:a16="http://schemas.microsoft.com/office/drawing/2014/main" id="{5A6B4B23-8DC4-31CB-DC53-F5F99B88E444}"/>
               </a:ext>
             </a:extLst>
           </p:cNvPr>
@@ -488,7 +488,7 @@
           <p:cNvPr id="6" name="灯片编号占位符 5">
             <a:extLst>
               <a:ext uri="{FF2B5EF4-FFF2-40B4-BE49-F238E27FC236}">
-                <a16:creationId xmlns:a16="http://schemas.microsoft.com/office/drawing/2014/main" id="{E4AD5210-4CBE-5CD0-DE8C-0FA9BCA951EB}"/>
+                <a16:creationId xmlns:a16="http://schemas.microsoft.com/office/drawing/2014/main" id="{1F90EC21-E043-0FDB-B149-19A370A2FD5D}"/>
               </a:ext>
             </a:extLst>
           </p:cNvPr>
@@ -504,7 +504,7 @@
           <a:bodyPr/>
           <a:lstStyle/>
           <a:p>
-            <a:fld id="{EDB0B158-4505-400A-830A-DD9001AC0768}" type="slidenum">
+            <a:fld id="{77F1E995-8A44-4BAB-8D1C-E104D2A86025}" type="slidenum">
               <a:rPr lang="zh-CN" altLang="en-US" smtClean="0"/>
               <a:t>‹#›</a:t>
             </a:fld>
@@ -515,7 +515,7 @@
     </p:spTree>
     <p:extLst>
       <p:ext uri="{BB962C8B-B14F-4D97-AF65-F5344CB8AC3E}">
-        <p14:creationId xmlns:p14="http://schemas.microsoft.com/office/powerpoint/2010/main" val="2278212712"/>
+        <p14:creationId xmlns:p14="http://schemas.microsoft.com/office/powerpoint/2010/main" val="3873346237"/>
       </p:ext>
     </p:extLst>
   </p:cSld>
@@ -547,7 +547,7 @@
           <p:cNvPr id="2" name="竖排标题 1">
             <a:extLst>
               <a:ext uri="{FF2B5EF4-FFF2-40B4-BE49-F238E27FC236}">
-                <a16:creationId xmlns:a16="http://schemas.microsoft.com/office/drawing/2014/main" id="{12C46AC7-E6E2-C603-4F67-83187011D8FF}"/>
+                <a16:creationId xmlns:a16="http://schemas.microsoft.com/office/drawing/2014/main" id="{688C27C6-4469-5E69-09DC-080F575C726B}"/>
               </a:ext>
             </a:extLst>
           </p:cNvPr>
@@ -580,7 +580,7 @@
           <p:cNvPr id="3" name="竖排文字占位符 2">
             <a:extLst>
               <a:ext uri="{FF2B5EF4-FFF2-40B4-BE49-F238E27FC236}">
-                <a16:creationId xmlns:a16="http://schemas.microsoft.com/office/drawing/2014/main" id="{4D49F53F-ABBA-4F39-0084-5915E55044C3}"/>
+                <a16:creationId xmlns:a16="http://schemas.microsoft.com/office/drawing/2014/main" id="{18AD1808-072F-EF65-4F94-55DF363FB9EB}"/>
               </a:ext>
             </a:extLst>
           </p:cNvPr>
@@ -642,7 +642,7 @@
           <p:cNvPr id="4" name="日期占位符 3">
             <a:extLst>
               <a:ext uri="{FF2B5EF4-FFF2-40B4-BE49-F238E27FC236}">
-                <a16:creationId xmlns:a16="http://schemas.microsoft.com/office/drawing/2014/main" id="{BCB4BD88-159C-9CDD-0FA9-C9277F5B5A42}"/>
+                <a16:creationId xmlns:a16="http://schemas.microsoft.com/office/drawing/2014/main" id="{AE1C033B-808E-16DB-64A6-533DD8ADFEA3}"/>
               </a:ext>
             </a:extLst>
           </p:cNvPr>
@@ -658,7 +658,7 @@
           <a:bodyPr/>
           <a:lstStyle/>
           <a:p>
-            <a:fld id="{76827FB9-D711-4EBA-9DB8-70F9BD0C58C5}" type="datetimeFigureOut">
+            <a:fld id="{766D612D-3A50-4E64-AC8F-9A49F3D0CF7D}" type="datetimeFigureOut">
               <a:rPr lang="zh-CN" altLang="en-US" smtClean="0"/>
               <a:t>2024/3/10</a:t>
             </a:fld>
@@ -671,7 +671,7 @@
           <p:cNvPr id="5" name="页脚占位符 4">
             <a:extLst>
               <a:ext uri="{FF2B5EF4-FFF2-40B4-BE49-F238E27FC236}">
-                <a16:creationId xmlns:a16="http://schemas.microsoft.com/office/drawing/2014/main" id="{99D0A667-B483-F884-78D1-BF512E535B87}"/>
+                <a16:creationId xmlns:a16="http://schemas.microsoft.com/office/drawing/2014/main" id="{3B9BDEDC-074C-1B6A-7264-06E90744F4A1}"/>
               </a:ext>
             </a:extLst>
           </p:cNvPr>
@@ -696,7 +696,7 @@
           <p:cNvPr id="6" name="灯片编号占位符 5">
             <a:extLst>
               <a:ext uri="{FF2B5EF4-FFF2-40B4-BE49-F238E27FC236}">
-                <a16:creationId xmlns:a16="http://schemas.microsoft.com/office/drawing/2014/main" id="{DF1EC326-E1A0-6C28-E6EA-79CD1D3CA0EE}"/>
+                <a16:creationId xmlns:a16="http://schemas.microsoft.com/office/drawing/2014/main" id="{1E869397-2E17-E253-4E3E-E440F91F7E57}"/>
               </a:ext>
             </a:extLst>
           </p:cNvPr>
@@ -712,7 +712,7 @@
           <a:bodyPr/>
           <a:lstStyle/>
           <a:p>
-            <a:fld id="{EDB0B158-4505-400A-830A-DD9001AC0768}" type="slidenum">
+            <a:fld id="{77F1E995-8A44-4BAB-8D1C-E104D2A86025}" type="slidenum">
               <a:rPr lang="zh-CN" altLang="en-US" smtClean="0"/>
               <a:t>‹#›</a:t>
             </a:fld>
@@ -723,7 +723,7 @@
     </p:spTree>
     <p:extLst>
       <p:ext uri="{BB962C8B-B14F-4D97-AF65-F5344CB8AC3E}">
-        <p14:creationId xmlns:p14="http://schemas.microsoft.com/office/powerpoint/2010/main" val="115091886"/>
+        <p14:creationId xmlns:p14="http://schemas.microsoft.com/office/powerpoint/2010/main" val="2822141549"/>
       </p:ext>
     </p:extLst>
   </p:cSld>
@@ -755,7 +755,7 @@
           <p:cNvPr id="2" name="标题 1">
             <a:extLst>
               <a:ext uri="{FF2B5EF4-FFF2-40B4-BE49-F238E27FC236}">
-                <a16:creationId xmlns:a16="http://schemas.microsoft.com/office/drawing/2014/main" id="{E862605B-11B1-B361-732C-CBB3334DA49A}"/>
+                <a16:creationId xmlns:a16="http://schemas.microsoft.com/office/drawing/2014/main" id="{166A3342-B5CF-2902-D37F-33AB3AC083D3}"/>
               </a:ext>
             </a:extLst>
           </p:cNvPr>
@@ -783,7 +783,7 @@
           <p:cNvPr id="3" name="内容占位符 2">
             <a:extLst>
               <a:ext uri="{FF2B5EF4-FFF2-40B4-BE49-F238E27FC236}">
-                <a16:creationId xmlns:a16="http://schemas.microsoft.com/office/drawing/2014/main" id="{554E83C4-1ADF-1545-4FEE-166E000998EA}"/>
+                <a16:creationId xmlns:a16="http://schemas.microsoft.com/office/drawing/2014/main" id="{F1F2CACB-EBEA-F833-25F8-2B907AA03296}"/>
               </a:ext>
             </a:extLst>
           </p:cNvPr>
@@ -840,7 +840,7 @@
           <p:cNvPr id="4" name="日期占位符 3">
             <a:extLst>
               <a:ext uri="{FF2B5EF4-FFF2-40B4-BE49-F238E27FC236}">
-                <a16:creationId xmlns:a16="http://schemas.microsoft.com/office/drawing/2014/main" id="{F9DF298E-3B25-86FC-93A5-EFD760A62645}"/>
+                <a16:creationId xmlns:a16="http://schemas.microsoft.com/office/drawing/2014/main" id="{369BF5D3-7FBF-15BB-542A-98774DF6CA60}"/>
               </a:ext>
             </a:extLst>
           </p:cNvPr>
@@ -856,7 +856,7 @@
           <a:bodyPr/>
           <a:lstStyle/>
           <a:p>
-            <a:fld id="{76827FB9-D711-4EBA-9DB8-70F9BD0C58C5}" type="datetimeFigureOut">
+            <a:fld id="{766D612D-3A50-4E64-AC8F-9A49F3D0CF7D}" type="datetimeFigureOut">
               <a:rPr lang="zh-CN" altLang="en-US" smtClean="0"/>
               <a:t>2024/3/10</a:t>
             </a:fld>
@@ -869,7 +869,7 @@
           <p:cNvPr id="5" name="页脚占位符 4">
             <a:extLst>
               <a:ext uri="{FF2B5EF4-FFF2-40B4-BE49-F238E27FC236}">
-                <a16:creationId xmlns:a16="http://schemas.microsoft.com/office/drawing/2014/main" id="{5A7F0D20-D4E0-C72F-C2F7-972BFF876469}"/>
+                <a16:creationId xmlns:a16="http://schemas.microsoft.com/office/drawing/2014/main" id="{32B99C32-6F7D-EFE1-5ADF-07E842BE371A}"/>
               </a:ext>
             </a:extLst>
           </p:cNvPr>
@@ -894,7 +894,7 @@
           <p:cNvPr id="6" name="灯片编号占位符 5">
             <a:extLst>
               <a:ext uri="{FF2B5EF4-FFF2-40B4-BE49-F238E27FC236}">
-                <a16:creationId xmlns:a16="http://schemas.microsoft.com/office/drawing/2014/main" id="{3B269920-5AFC-86C4-79C4-09B3EDACC36A}"/>
+                <a16:creationId xmlns:a16="http://schemas.microsoft.com/office/drawing/2014/main" id="{C102E73C-CA88-9A27-0094-8789C433024C}"/>
               </a:ext>
             </a:extLst>
           </p:cNvPr>
@@ -910,7 +910,7 @@
           <a:bodyPr/>
           <a:lstStyle/>
           <a:p>
-            <a:fld id="{EDB0B158-4505-400A-830A-DD9001AC0768}" type="slidenum">
+            <a:fld id="{77F1E995-8A44-4BAB-8D1C-E104D2A86025}" type="slidenum">
               <a:rPr lang="zh-CN" altLang="en-US" smtClean="0"/>
               <a:t>‹#›</a:t>
             </a:fld>
@@ -921,7 +921,7 @@
     </p:spTree>
     <p:extLst>
       <p:ext uri="{BB962C8B-B14F-4D97-AF65-F5344CB8AC3E}">
-        <p14:creationId xmlns:p14="http://schemas.microsoft.com/office/powerpoint/2010/main" val="4218925100"/>
+        <p14:creationId xmlns:p14="http://schemas.microsoft.com/office/powerpoint/2010/main" val="2780041120"/>
       </p:ext>
     </p:extLst>
   </p:cSld>
@@ -953,7 +953,7 @@
           <p:cNvPr id="2" name="标题 1">
             <a:extLst>
               <a:ext uri="{FF2B5EF4-FFF2-40B4-BE49-F238E27FC236}">
-                <a16:creationId xmlns:a16="http://schemas.microsoft.com/office/drawing/2014/main" id="{76BCC62C-654C-F416-90AA-59870BB15FC7}"/>
+                <a16:creationId xmlns:a16="http://schemas.microsoft.com/office/drawing/2014/main" id="{82F825C1-29D4-EAAC-B514-EB962F3B89FE}"/>
               </a:ext>
             </a:extLst>
           </p:cNvPr>
@@ -990,7 +990,7 @@
           <p:cNvPr id="3" name="文本占位符 2">
             <a:extLst>
               <a:ext uri="{FF2B5EF4-FFF2-40B4-BE49-F238E27FC236}">
-                <a16:creationId xmlns:a16="http://schemas.microsoft.com/office/drawing/2014/main" id="{00D7EF50-A98D-B205-9E7A-6107B8017545}"/>
+                <a16:creationId xmlns:a16="http://schemas.microsoft.com/office/drawing/2014/main" id="{747AD5A6-239D-AD85-FEEC-2F29E7E8BA3B}"/>
               </a:ext>
             </a:extLst>
           </p:cNvPr>
@@ -1115,7 +1115,7 @@
           <p:cNvPr id="4" name="日期占位符 3">
             <a:extLst>
               <a:ext uri="{FF2B5EF4-FFF2-40B4-BE49-F238E27FC236}">
-                <a16:creationId xmlns:a16="http://schemas.microsoft.com/office/drawing/2014/main" id="{5B1D25E5-279B-66E4-98FB-C8E921BBFE25}"/>
+                <a16:creationId xmlns:a16="http://schemas.microsoft.com/office/drawing/2014/main" id="{EAE593A5-13BB-EA7E-0858-3E86A8162384}"/>
               </a:ext>
             </a:extLst>
           </p:cNvPr>
@@ -1131,7 +1131,7 @@
           <a:bodyPr/>
           <a:lstStyle/>
           <a:p>
-            <a:fld id="{76827FB9-D711-4EBA-9DB8-70F9BD0C58C5}" type="datetimeFigureOut">
+            <a:fld id="{766D612D-3A50-4E64-AC8F-9A49F3D0CF7D}" type="datetimeFigureOut">
               <a:rPr lang="zh-CN" altLang="en-US" smtClean="0"/>
               <a:t>2024/3/10</a:t>
             </a:fld>
@@ -1144,7 +1144,7 @@
           <p:cNvPr id="5" name="页脚占位符 4">
             <a:extLst>
               <a:ext uri="{FF2B5EF4-FFF2-40B4-BE49-F238E27FC236}">
-                <a16:creationId xmlns:a16="http://schemas.microsoft.com/office/drawing/2014/main" id="{219CC46A-BFD5-B62E-00ED-3732B8A8E728}"/>
+                <a16:creationId xmlns:a16="http://schemas.microsoft.com/office/drawing/2014/main" id="{3AA9C390-EBD0-2446-AEC0-A20C7FCE0787}"/>
               </a:ext>
             </a:extLst>
           </p:cNvPr>
@@ -1169,7 +1169,7 @@
           <p:cNvPr id="6" name="灯片编号占位符 5">
             <a:extLst>
               <a:ext uri="{FF2B5EF4-FFF2-40B4-BE49-F238E27FC236}">
-                <a16:creationId xmlns:a16="http://schemas.microsoft.com/office/drawing/2014/main" id="{395372CF-C217-BEC8-2C07-BC3EE52C2E2C}"/>
+                <a16:creationId xmlns:a16="http://schemas.microsoft.com/office/drawing/2014/main" id="{A494C8CC-2EFE-B80E-B94B-52C390A2AD9B}"/>
               </a:ext>
             </a:extLst>
           </p:cNvPr>
@@ -1185,7 +1185,7 @@
           <a:bodyPr/>
           <a:lstStyle/>
           <a:p>
-            <a:fld id="{EDB0B158-4505-400A-830A-DD9001AC0768}" type="slidenum">
+            <a:fld id="{77F1E995-8A44-4BAB-8D1C-E104D2A86025}" type="slidenum">
               <a:rPr lang="zh-CN" altLang="en-US" smtClean="0"/>
               <a:t>‹#›</a:t>
             </a:fld>
@@ -1196,7 +1196,7 @@
     </p:spTree>
     <p:extLst>
       <p:ext uri="{BB962C8B-B14F-4D97-AF65-F5344CB8AC3E}">
-        <p14:creationId xmlns:p14="http://schemas.microsoft.com/office/powerpoint/2010/main" val="2203824800"/>
+        <p14:creationId xmlns:p14="http://schemas.microsoft.com/office/powerpoint/2010/main" val="351189992"/>
       </p:ext>
     </p:extLst>
   </p:cSld>
@@ -1228,7 +1228,7 @@
           <p:cNvPr id="2" name="标题 1">
             <a:extLst>
               <a:ext uri="{FF2B5EF4-FFF2-40B4-BE49-F238E27FC236}">
-                <a16:creationId xmlns:a16="http://schemas.microsoft.com/office/drawing/2014/main" id="{880F106C-A7AC-AEE7-CE0D-D4773A0CFF65}"/>
+                <a16:creationId xmlns:a16="http://schemas.microsoft.com/office/drawing/2014/main" id="{35A9E38F-4A62-295C-B54F-8EFBB647C5AC}"/>
               </a:ext>
             </a:extLst>
           </p:cNvPr>
@@ -1256,7 +1256,7 @@
           <p:cNvPr id="3" name="内容占位符 2">
             <a:extLst>
               <a:ext uri="{FF2B5EF4-FFF2-40B4-BE49-F238E27FC236}">
-                <a16:creationId xmlns:a16="http://schemas.microsoft.com/office/drawing/2014/main" id="{F48A2E7E-B6BA-8AD0-C2EB-35912B1E7975}"/>
+                <a16:creationId xmlns:a16="http://schemas.microsoft.com/office/drawing/2014/main" id="{E6039480-E71D-74A5-F5DD-02024FF8FDB0}"/>
               </a:ext>
             </a:extLst>
           </p:cNvPr>
@@ -1318,7 +1318,7 @@
           <p:cNvPr id="4" name="内容占位符 3">
             <a:extLst>
               <a:ext uri="{FF2B5EF4-FFF2-40B4-BE49-F238E27FC236}">
-                <a16:creationId xmlns:a16="http://schemas.microsoft.com/office/drawing/2014/main" id="{299DE0B9-1387-DE27-2EA4-8FAB746A1E6E}"/>
+                <a16:creationId xmlns:a16="http://schemas.microsoft.com/office/drawing/2014/main" id="{354D1267-A7FF-F79E-5C55-42EC69DCCBF0}"/>
               </a:ext>
             </a:extLst>
           </p:cNvPr>
@@ -1380,7 +1380,7 @@
           <p:cNvPr id="5" name="日期占位符 4">
             <a:extLst>
               <a:ext uri="{FF2B5EF4-FFF2-40B4-BE49-F238E27FC236}">
-                <a16:creationId xmlns:a16="http://schemas.microsoft.com/office/drawing/2014/main" id="{79BE4D17-40C8-0FE5-11AC-BA381ADCB496}"/>
+                <a16:creationId xmlns:a16="http://schemas.microsoft.com/office/drawing/2014/main" id="{41CCC57C-8645-9E73-3570-D94E638C89CF}"/>
               </a:ext>
             </a:extLst>
           </p:cNvPr>
@@ -1396,7 +1396,7 @@
           <a:bodyPr/>
           <a:lstStyle/>
           <a:p>
-            <a:fld id="{76827FB9-D711-4EBA-9DB8-70F9BD0C58C5}" type="datetimeFigureOut">
+            <a:fld id="{766D612D-3A50-4E64-AC8F-9A49F3D0CF7D}" type="datetimeFigureOut">
               <a:rPr lang="zh-CN" altLang="en-US" smtClean="0"/>
               <a:t>2024/3/10</a:t>
             </a:fld>
@@ -1409,7 +1409,7 @@
           <p:cNvPr id="6" name="页脚占位符 5">
             <a:extLst>
               <a:ext uri="{FF2B5EF4-FFF2-40B4-BE49-F238E27FC236}">
-                <a16:creationId xmlns:a16="http://schemas.microsoft.com/office/drawing/2014/main" id="{4BE2582A-2674-B751-C120-DC499FDAA564}"/>
+                <a16:creationId xmlns:a16="http://schemas.microsoft.com/office/drawing/2014/main" id="{E9C3339B-0579-2F86-4DEC-81A827C90ACE}"/>
               </a:ext>
             </a:extLst>
           </p:cNvPr>
@@ -1434,7 +1434,7 @@
           <p:cNvPr id="7" name="灯片编号占位符 6">
             <a:extLst>
               <a:ext uri="{FF2B5EF4-FFF2-40B4-BE49-F238E27FC236}">
-                <a16:creationId xmlns:a16="http://schemas.microsoft.com/office/drawing/2014/main" id="{C07E8D17-1533-FD5F-1660-33FDB1C13116}"/>
+                <a16:creationId xmlns:a16="http://schemas.microsoft.com/office/drawing/2014/main" id="{5FBDEB16-6F74-0CE9-9550-2685D957C61C}"/>
               </a:ext>
             </a:extLst>
           </p:cNvPr>
@@ -1450,7 +1450,7 @@
           <a:bodyPr/>
           <a:lstStyle/>
           <a:p>
-            <a:fld id="{EDB0B158-4505-400A-830A-DD9001AC0768}" type="slidenum">
+            <a:fld id="{77F1E995-8A44-4BAB-8D1C-E104D2A86025}" type="slidenum">
               <a:rPr lang="zh-CN" altLang="en-US" smtClean="0"/>
               <a:t>‹#›</a:t>
             </a:fld>
@@ -1461,7 +1461,7 @@
     </p:spTree>
     <p:extLst>
       <p:ext uri="{BB962C8B-B14F-4D97-AF65-F5344CB8AC3E}">
-        <p14:creationId xmlns:p14="http://schemas.microsoft.com/office/powerpoint/2010/main" val="4182130060"/>
+        <p14:creationId xmlns:p14="http://schemas.microsoft.com/office/powerpoint/2010/main" val="3450384903"/>
       </p:ext>
     </p:extLst>
   </p:cSld>
@@ -1493,7 +1493,7 @@
           <p:cNvPr id="2" name="标题 1">
             <a:extLst>
               <a:ext uri="{FF2B5EF4-FFF2-40B4-BE49-F238E27FC236}">
-                <a16:creationId xmlns:a16="http://schemas.microsoft.com/office/drawing/2014/main" id="{6C135EFA-292D-3796-0F90-F284E4058C3D}"/>
+                <a16:creationId xmlns:a16="http://schemas.microsoft.com/office/drawing/2014/main" id="{C68C3082-6073-29C9-CA86-6DF199CE4955}"/>
               </a:ext>
             </a:extLst>
           </p:cNvPr>
@@ -1526,7 +1526,7 @@
           <p:cNvPr id="3" name="文本占位符 2">
             <a:extLst>
               <a:ext uri="{FF2B5EF4-FFF2-40B4-BE49-F238E27FC236}">
-                <a16:creationId xmlns:a16="http://schemas.microsoft.com/office/drawing/2014/main" id="{A48E26A8-E0CF-B056-DCE5-EDD1F976A64D}"/>
+                <a16:creationId xmlns:a16="http://schemas.microsoft.com/office/drawing/2014/main" id="{4B5322D7-49F8-AB02-D291-72E46A7F228B}"/>
               </a:ext>
             </a:extLst>
           </p:cNvPr>
@@ -1597,7 +1597,7 @@
           <p:cNvPr id="4" name="内容占位符 3">
             <a:extLst>
               <a:ext uri="{FF2B5EF4-FFF2-40B4-BE49-F238E27FC236}">
-                <a16:creationId xmlns:a16="http://schemas.microsoft.com/office/drawing/2014/main" id="{3097B0E4-F535-5D74-EB0A-A2157CD3DD14}"/>
+                <a16:creationId xmlns:a16="http://schemas.microsoft.com/office/drawing/2014/main" id="{98242D76-BD18-C930-FCA9-0B1C0097C808}"/>
               </a:ext>
             </a:extLst>
           </p:cNvPr>
@@ -1659,7 +1659,7 @@
           <p:cNvPr id="5" name="文本占位符 4">
             <a:extLst>
               <a:ext uri="{FF2B5EF4-FFF2-40B4-BE49-F238E27FC236}">
-                <a16:creationId xmlns:a16="http://schemas.microsoft.com/office/drawing/2014/main" id="{872AF4EF-EF5A-B51F-A0AE-ECDE637AE2EC}"/>
+                <a16:creationId xmlns:a16="http://schemas.microsoft.com/office/drawing/2014/main" id="{5E629BC1-5227-035A-06A6-98020E0A97EF}"/>
               </a:ext>
             </a:extLst>
           </p:cNvPr>
@@ -1730,7 +1730,7 @@
           <p:cNvPr id="6" name="内容占位符 5">
             <a:extLst>
               <a:ext uri="{FF2B5EF4-FFF2-40B4-BE49-F238E27FC236}">
-                <a16:creationId xmlns:a16="http://schemas.microsoft.com/office/drawing/2014/main" id="{81D83EE2-1F04-5FD7-907F-AD95D9622CBE}"/>
+                <a16:creationId xmlns:a16="http://schemas.microsoft.com/office/drawing/2014/main" id="{63FDDB0D-B805-1BCC-1A46-4E332FBBB888}"/>
               </a:ext>
             </a:extLst>
           </p:cNvPr>
@@ -1792,7 +1792,7 @@
           <p:cNvPr id="7" name="日期占位符 6">
             <a:extLst>
               <a:ext uri="{FF2B5EF4-FFF2-40B4-BE49-F238E27FC236}">
-                <a16:creationId xmlns:a16="http://schemas.microsoft.com/office/drawing/2014/main" id="{CA02FE39-6E37-E06B-CBA4-1B0E413183B5}"/>
+                <a16:creationId xmlns:a16="http://schemas.microsoft.com/office/drawing/2014/main" id="{4E9225C3-63E9-150A-C790-FABB6BE9E738}"/>
               </a:ext>
             </a:extLst>
           </p:cNvPr>
@@ -1808,7 +1808,7 @@
           <a:bodyPr/>
           <a:lstStyle/>
           <a:p>
-            <a:fld id="{76827FB9-D711-4EBA-9DB8-70F9BD0C58C5}" type="datetimeFigureOut">
+            <a:fld id="{766D612D-3A50-4E64-AC8F-9A49F3D0CF7D}" type="datetimeFigureOut">
               <a:rPr lang="zh-CN" altLang="en-US" smtClean="0"/>
               <a:t>2024/3/10</a:t>
             </a:fld>
@@ -1821,7 +1821,7 @@
           <p:cNvPr id="8" name="页脚占位符 7">
             <a:extLst>
               <a:ext uri="{FF2B5EF4-FFF2-40B4-BE49-F238E27FC236}">
-                <a16:creationId xmlns:a16="http://schemas.microsoft.com/office/drawing/2014/main" id="{AAE4279E-F61F-18E7-01B4-E9C8E1AF699E}"/>
+                <a16:creationId xmlns:a16="http://schemas.microsoft.com/office/drawing/2014/main" id="{FE96EB9F-1DA7-3D3C-87BD-FA7622992D0E}"/>
               </a:ext>
             </a:extLst>
           </p:cNvPr>
@@ -1846,7 +1846,7 @@
           <p:cNvPr id="9" name="灯片编号占位符 8">
             <a:extLst>
               <a:ext uri="{FF2B5EF4-FFF2-40B4-BE49-F238E27FC236}">
-                <a16:creationId xmlns:a16="http://schemas.microsoft.com/office/drawing/2014/main" id="{BC028328-D6A5-1B47-C310-4AC93E2BB0F4}"/>
+                <a16:creationId xmlns:a16="http://schemas.microsoft.com/office/drawing/2014/main" id="{B5CDD48B-3891-8553-6210-9DABF14D69EA}"/>
               </a:ext>
             </a:extLst>
           </p:cNvPr>
@@ -1862,7 +1862,7 @@
           <a:bodyPr/>
           <a:lstStyle/>
           <a:p>
-            <a:fld id="{EDB0B158-4505-400A-830A-DD9001AC0768}" type="slidenum">
+            <a:fld id="{77F1E995-8A44-4BAB-8D1C-E104D2A86025}" type="slidenum">
               <a:rPr lang="zh-CN" altLang="en-US" smtClean="0"/>
               <a:t>‹#›</a:t>
             </a:fld>
@@ -1873,7 +1873,7 @@
     </p:spTree>
     <p:extLst>
       <p:ext uri="{BB962C8B-B14F-4D97-AF65-F5344CB8AC3E}">
-        <p14:creationId xmlns:p14="http://schemas.microsoft.com/office/powerpoint/2010/main" val="294052545"/>
+        <p14:creationId xmlns:p14="http://schemas.microsoft.com/office/powerpoint/2010/main" val="3128529747"/>
       </p:ext>
     </p:extLst>
   </p:cSld>
@@ -1905,7 +1905,7 @@
           <p:cNvPr id="2" name="标题 1">
             <a:extLst>
               <a:ext uri="{FF2B5EF4-FFF2-40B4-BE49-F238E27FC236}">
-                <a16:creationId xmlns:a16="http://schemas.microsoft.com/office/drawing/2014/main" id="{7093D98E-2B36-B982-4C6E-13AE0060DFB1}"/>
+                <a16:creationId xmlns:a16="http://schemas.microsoft.com/office/drawing/2014/main" id="{6453736F-343D-26A1-A9E1-E5644860CEA1}"/>
               </a:ext>
             </a:extLst>
           </p:cNvPr>
@@ -1933,7 +1933,7 @@
           <p:cNvPr id="3" name="日期占位符 2">
             <a:extLst>
               <a:ext uri="{FF2B5EF4-FFF2-40B4-BE49-F238E27FC236}">
-                <a16:creationId xmlns:a16="http://schemas.microsoft.com/office/drawing/2014/main" id="{81D28F0C-B867-419F-E816-FEBC79D50937}"/>
+                <a16:creationId xmlns:a16="http://schemas.microsoft.com/office/drawing/2014/main" id="{F65DC72C-F742-F199-5CD7-DC04AA39990D}"/>
               </a:ext>
             </a:extLst>
           </p:cNvPr>
@@ -1949,7 +1949,7 @@
           <a:bodyPr/>
           <a:lstStyle/>
           <a:p>
-            <a:fld id="{76827FB9-D711-4EBA-9DB8-70F9BD0C58C5}" type="datetimeFigureOut">
+            <a:fld id="{766D612D-3A50-4E64-AC8F-9A49F3D0CF7D}" type="datetimeFigureOut">
               <a:rPr lang="zh-CN" altLang="en-US" smtClean="0"/>
               <a:t>2024/3/10</a:t>
             </a:fld>
@@ -1962,7 +1962,7 @@
           <p:cNvPr id="4" name="页脚占位符 3">
             <a:extLst>
               <a:ext uri="{FF2B5EF4-FFF2-40B4-BE49-F238E27FC236}">
-                <a16:creationId xmlns:a16="http://schemas.microsoft.com/office/drawing/2014/main" id="{605B87C8-B8AA-2D86-3307-76C2C19A6C35}"/>
+                <a16:creationId xmlns:a16="http://schemas.microsoft.com/office/drawing/2014/main" id="{51B81DC2-F70D-8333-826F-EFD76E3764FB}"/>
               </a:ext>
             </a:extLst>
           </p:cNvPr>
@@ -1987,7 +1987,7 @@
           <p:cNvPr id="5" name="灯片编号占位符 4">
             <a:extLst>
               <a:ext uri="{FF2B5EF4-FFF2-40B4-BE49-F238E27FC236}">
-                <a16:creationId xmlns:a16="http://schemas.microsoft.com/office/drawing/2014/main" id="{36AEC5CF-A485-020B-E545-A4C9017E1F9F}"/>
+                <a16:creationId xmlns:a16="http://schemas.microsoft.com/office/drawing/2014/main" id="{974339A8-0955-ECEA-813F-C5663DE4DA57}"/>
               </a:ext>
             </a:extLst>
           </p:cNvPr>
@@ -2003,7 +2003,7 @@
           <a:bodyPr/>
           <a:lstStyle/>
           <a:p>
-            <a:fld id="{EDB0B158-4505-400A-830A-DD9001AC0768}" type="slidenum">
+            <a:fld id="{77F1E995-8A44-4BAB-8D1C-E104D2A86025}" type="slidenum">
               <a:rPr lang="zh-CN" altLang="en-US" smtClean="0"/>
               <a:t>‹#›</a:t>
             </a:fld>
@@ -2014,7 +2014,7 @@
     </p:spTree>
     <p:extLst>
       <p:ext uri="{BB962C8B-B14F-4D97-AF65-F5344CB8AC3E}">
-        <p14:creationId xmlns:p14="http://schemas.microsoft.com/office/powerpoint/2010/main" val="259504640"/>
+        <p14:creationId xmlns:p14="http://schemas.microsoft.com/office/powerpoint/2010/main" val="2690453445"/>
       </p:ext>
     </p:extLst>
   </p:cSld>
@@ -2046,7 +2046,7 @@
           <p:cNvPr id="2" name="日期占位符 1">
             <a:extLst>
               <a:ext uri="{FF2B5EF4-FFF2-40B4-BE49-F238E27FC236}">
-                <a16:creationId xmlns:a16="http://schemas.microsoft.com/office/drawing/2014/main" id="{DD6D9195-1197-48EB-2267-BA06FE599BC6}"/>
+                <a16:creationId xmlns:a16="http://schemas.microsoft.com/office/drawing/2014/main" id="{88CC61C0-996B-6679-06E5-7F1E4FBDCE32}"/>
               </a:ext>
             </a:extLst>
           </p:cNvPr>
@@ -2062,7 +2062,7 @@
           <a:bodyPr/>
           <a:lstStyle/>
           <a:p>
-            <a:fld id="{76827FB9-D711-4EBA-9DB8-70F9BD0C58C5}" type="datetimeFigureOut">
+            <a:fld id="{766D612D-3A50-4E64-AC8F-9A49F3D0CF7D}" type="datetimeFigureOut">
               <a:rPr lang="zh-CN" altLang="en-US" smtClean="0"/>
               <a:t>2024/3/10</a:t>
             </a:fld>
@@ -2075,7 +2075,7 @@
           <p:cNvPr id="3" name="页脚占位符 2">
             <a:extLst>
               <a:ext uri="{FF2B5EF4-FFF2-40B4-BE49-F238E27FC236}">
-                <a16:creationId xmlns:a16="http://schemas.microsoft.com/office/drawing/2014/main" id="{2F08AE13-58D3-0258-95B0-ED0604D243DF}"/>
+                <a16:creationId xmlns:a16="http://schemas.microsoft.com/office/drawing/2014/main" id="{95D09A50-9308-47B9-5CAC-2A33430B2A8D}"/>
               </a:ext>
             </a:extLst>
           </p:cNvPr>
@@ -2100,7 +2100,7 @@
           <p:cNvPr id="4" name="灯片编号占位符 3">
             <a:extLst>
               <a:ext uri="{FF2B5EF4-FFF2-40B4-BE49-F238E27FC236}">
-                <a16:creationId xmlns:a16="http://schemas.microsoft.com/office/drawing/2014/main" id="{ED59F7F7-AC3B-A1E4-2068-84B353E453F7}"/>
+                <a16:creationId xmlns:a16="http://schemas.microsoft.com/office/drawing/2014/main" id="{65BF2069-CB64-6FB4-74B7-D6258F78FE4B}"/>
               </a:ext>
             </a:extLst>
           </p:cNvPr>
@@ -2116,7 +2116,7 @@
           <a:bodyPr/>
           <a:lstStyle/>
           <a:p>
-            <a:fld id="{EDB0B158-4505-400A-830A-DD9001AC0768}" type="slidenum">
+            <a:fld id="{77F1E995-8A44-4BAB-8D1C-E104D2A86025}" type="slidenum">
               <a:rPr lang="zh-CN" altLang="en-US" smtClean="0"/>
               <a:t>‹#›</a:t>
             </a:fld>
@@ -2127,7 +2127,7 @@
     </p:spTree>
     <p:extLst>
       <p:ext uri="{BB962C8B-B14F-4D97-AF65-F5344CB8AC3E}">
-        <p14:creationId xmlns:p14="http://schemas.microsoft.com/office/powerpoint/2010/main" val="2081388963"/>
+        <p14:creationId xmlns:p14="http://schemas.microsoft.com/office/powerpoint/2010/main" val="2452269676"/>
       </p:ext>
     </p:extLst>
   </p:cSld>
@@ -2159,7 +2159,7 @@
           <p:cNvPr id="2" name="标题 1">
             <a:extLst>
               <a:ext uri="{FF2B5EF4-FFF2-40B4-BE49-F238E27FC236}">
-                <a16:creationId xmlns:a16="http://schemas.microsoft.com/office/drawing/2014/main" id="{85685C20-1A47-16D8-44E3-1B33FAE0E0EA}"/>
+                <a16:creationId xmlns:a16="http://schemas.microsoft.com/office/drawing/2014/main" id="{0D5A35EE-4E04-E232-342F-C370A5935DEA}"/>
               </a:ext>
             </a:extLst>
           </p:cNvPr>
@@ -2196,7 +2196,7 @@
           <p:cNvPr id="3" name="内容占位符 2">
             <a:extLst>
               <a:ext uri="{FF2B5EF4-FFF2-40B4-BE49-F238E27FC236}">
-                <a16:creationId xmlns:a16="http://schemas.microsoft.com/office/drawing/2014/main" id="{33BF3C44-4EF2-7BCD-39C8-422B454E84B7}"/>
+                <a16:creationId xmlns:a16="http://schemas.microsoft.com/office/drawing/2014/main" id="{5ED43856-F1B5-B887-B744-EB0936F75339}"/>
               </a:ext>
             </a:extLst>
           </p:cNvPr>
@@ -2286,7 +2286,7 @@
           <p:cNvPr id="4" name="文本占位符 3">
             <a:extLst>
               <a:ext uri="{FF2B5EF4-FFF2-40B4-BE49-F238E27FC236}">
-                <a16:creationId xmlns:a16="http://schemas.microsoft.com/office/drawing/2014/main" id="{C413D930-6EC9-9CF0-5361-9C67E541DB13}"/>
+                <a16:creationId xmlns:a16="http://schemas.microsoft.com/office/drawing/2014/main" id="{15F55AC6-21E3-4D13-4A06-B074890AC6C3}"/>
               </a:ext>
             </a:extLst>
           </p:cNvPr>
@@ -2357,7 +2357,7 @@
           <p:cNvPr id="5" name="日期占位符 4">
             <a:extLst>
               <a:ext uri="{FF2B5EF4-FFF2-40B4-BE49-F238E27FC236}">
-                <a16:creationId xmlns:a16="http://schemas.microsoft.com/office/drawing/2014/main" id="{1D3EADB7-CA15-8D5A-DC6B-003CA94ECF57}"/>
+                <a16:creationId xmlns:a16="http://schemas.microsoft.com/office/drawing/2014/main" id="{374AF28F-C6E2-CBF5-6CC1-4A7A01008013}"/>
               </a:ext>
             </a:extLst>
           </p:cNvPr>
@@ -2373,7 +2373,7 @@
           <a:bodyPr/>
           <a:lstStyle/>
           <a:p>
-            <a:fld id="{76827FB9-D711-4EBA-9DB8-70F9BD0C58C5}" type="datetimeFigureOut">
+            <a:fld id="{766D612D-3A50-4E64-AC8F-9A49F3D0CF7D}" type="datetimeFigureOut">
               <a:rPr lang="zh-CN" altLang="en-US" smtClean="0"/>
               <a:t>2024/3/10</a:t>
             </a:fld>
@@ -2386,7 +2386,7 @@
           <p:cNvPr id="6" name="页脚占位符 5">
             <a:extLst>
               <a:ext uri="{FF2B5EF4-FFF2-40B4-BE49-F238E27FC236}">
-                <a16:creationId xmlns:a16="http://schemas.microsoft.com/office/drawing/2014/main" id="{7416D05A-FCE7-0B4B-3614-AE2256EC004E}"/>
+                <a16:creationId xmlns:a16="http://schemas.microsoft.com/office/drawing/2014/main" id="{1CF43CE4-6A53-596F-5CAE-C7C381518491}"/>
               </a:ext>
             </a:extLst>
           </p:cNvPr>
@@ -2411,7 +2411,7 @@
           <p:cNvPr id="7" name="灯片编号占位符 6">
             <a:extLst>
               <a:ext uri="{FF2B5EF4-FFF2-40B4-BE49-F238E27FC236}">
-                <a16:creationId xmlns:a16="http://schemas.microsoft.com/office/drawing/2014/main" id="{935010CD-75DB-8FB5-9C36-6B7E62805860}"/>
+                <a16:creationId xmlns:a16="http://schemas.microsoft.com/office/drawing/2014/main" id="{5A473EAD-B01C-F407-470C-15167928C663}"/>
               </a:ext>
             </a:extLst>
           </p:cNvPr>
@@ -2427,7 +2427,7 @@
           <a:bodyPr/>
           <a:lstStyle/>
           <a:p>
-            <a:fld id="{EDB0B158-4505-400A-830A-DD9001AC0768}" type="slidenum">
+            <a:fld id="{77F1E995-8A44-4BAB-8D1C-E104D2A86025}" type="slidenum">
               <a:rPr lang="zh-CN" altLang="en-US" smtClean="0"/>
               <a:t>‹#›</a:t>
             </a:fld>
@@ -2438,7 +2438,7 @@
     </p:spTree>
     <p:extLst>
       <p:ext uri="{BB962C8B-B14F-4D97-AF65-F5344CB8AC3E}">
-        <p14:creationId xmlns:p14="http://schemas.microsoft.com/office/powerpoint/2010/main" val="2937448883"/>
+        <p14:creationId xmlns:p14="http://schemas.microsoft.com/office/powerpoint/2010/main" val="3153407305"/>
       </p:ext>
     </p:extLst>
   </p:cSld>
@@ -2470,7 +2470,7 @@
           <p:cNvPr id="2" name="标题 1">
             <a:extLst>
               <a:ext uri="{FF2B5EF4-FFF2-40B4-BE49-F238E27FC236}">
-                <a16:creationId xmlns:a16="http://schemas.microsoft.com/office/drawing/2014/main" id="{69F9B9AC-D0C6-36A9-B49D-9EF3E72674C1}"/>
+                <a16:creationId xmlns:a16="http://schemas.microsoft.com/office/drawing/2014/main" id="{2721A53D-AEE3-C675-460A-F9F6C2D6615F}"/>
               </a:ext>
             </a:extLst>
           </p:cNvPr>
@@ -2507,7 +2507,7 @@
           <p:cNvPr id="3" name="图片占位符 2">
             <a:extLst>
               <a:ext uri="{FF2B5EF4-FFF2-40B4-BE49-F238E27FC236}">
-                <a16:creationId xmlns:a16="http://schemas.microsoft.com/office/drawing/2014/main" id="{831BFDFE-9604-1587-AA88-B543247B466D}"/>
+                <a16:creationId xmlns:a16="http://schemas.microsoft.com/office/drawing/2014/main" id="{CD14F031-844A-39A0-044A-ABB7B11DB694}"/>
               </a:ext>
             </a:extLst>
           </p:cNvPr>
@@ -2574,7 +2574,7 @@
           <p:cNvPr id="4" name="文本占位符 3">
             <a:extLst>
               <a:ext uri="{FF2B5EF4-FFF2-40B4-BE49-F238E27FC236}">
-                <a16:creationId xmlns:a16="http://schemas.microsoft.com/office/drawing/2014/main" id="{2373630F-4346-707B-DAA9-587226DCBC1F}"/>
+                <a16:creationId xmlns:a16="http://schemas.microsoft.com/office/drawing/2014/main" id="{A990397F-6159-7FAA-A9F2-52CD2632022E}"/>
               </a:ext>
             </a:extLst>
           </p:cNvPr>
@@ -2645,7 +2645,7 @@
           <p:cNvPr id="5" name="日期占位符 4">
             <a:extLst>
               <a:ext uri="{FF2B5EF4-FFF2-40B4-BE49-F238E27FC236}">
-                <a16:creationId xmlns:a16="http://schemas.microsoft.com/office/drawing/2014/main" id="{83776CC5-C9FB-239D-3BD3-5C410D2C6923}"/>
+                <a16:creationId xmlns:a16="http://schemas.microsoft.com/office/drawing/2014/main" id="{16F2620C-598C-1735-ACE3-DC4AB6906E17}"/>
               </a:ext>
             </a:extLst>
           </p:cNvPr>
@@ -2661,7 +2661,7 @@
           <a:bodyPr/>
           <a:lstStyle/>
           <a:p>
-            <a:fld id="{76827FB9-D711-4EBA-9DB8-70F9BD0C58C5}" type="datetimeFigureOut">
+            <a:fld id="{766D612D-3A50-4E64-AC8F-9A49F3D0CF7D}" type="datetimeFigureOut">
               <a:rPr lang="zh-CN" altLang="en-US" smtClean="0"/>
               <a:t>2024/3/10</a:t>
             </a:fld>
@@ -2674,7 +2674,7 @@
           <p:cNvPr id="6" name="页脚占位符 5">
             <a:extLst>
               <a:ext uri="{FF2B5EF4-FFF2-40B4-BE49-F238E27FC236}">
-                <a16:creationId xmlns:a16="http://schemas.microsoft.com/office/drawing/2014/main" id="{A9DDE97E-B5C9-F014-6E44-BC19798178CF}"/>
+                <a16:creationId xmlns:a16="http://schemas.microsoft.com/office/drawing/2014/main" id="{78907C1E-4D7A-C24C-DBAD-8178CC89E5F2}"/>
               </a:ext>
             </a:extLst>
           </p:cNvPr>
@@ -2699,7 +2699,7 @@
           <p:cNvPr id="7" name="灯片编号占位符 6">
             <a:extLst>
               <a:ext uri="{FF2B5EF4-FFF2-40B4-BE49-F238E27FC236}">
-                <a16:creationId xmlns:a16="http://schemas.microsoft.com/office/drawing/2014/main" id="{8401605E-E7E1-F0BA-5665-39DFC3BD92A5}"/>
+                <a16:creationId xmlns:a16="http://schemas.microsoft.com/office/drawing/2014/main" id="{F68B04AF-9EF6-7111-4332-8B755408CBAB}"/>
               </a:ext>
             </a:extLst>
           </p:cNvPr>
@@ -2715,7 +2715,7 @@
           <a:bodyPr/>
           <a:lstStyle/>
           <a:p>
-            <a:fld id="{EDB0B158-4505-400A-830A-DD9001AC0768}" type="slidenum">
+            <a:fld id="{77F1E995-8A44-4BAB-8D1C-E104D2A86025}" type="slidenum">
               <a:rPr lang="zh-CN" altLang="en-US" smtClean="0"/>
               <a:t>‹#›</a:t>
             </a:fld>
@@ -2726,7 +2726,7 @@
     </p:spTree>
     <p:extLst>
       <p:ext uri="{BB962C8B-B14F-4D97-AF65-F5344CB8AC3E}">
-        <p14:creationId xmlns:p14="http://schemas.microsoft.com/office/powerpoint/2010/main" val="2078315222"/>
+        <p14:creationId xmlns:p14="http://schemas.microsoft.com/office/powerpoint/2010/main" val="408094822"/>
       </p:ext>
     </p:extLst>
   </p:cSld>
@@ -2763,7 +2763,7 @@
           <p:cNvPr id="2" name="标题占位符 1">
             <a:extLst>
               <a:ext uri="{FF2B5EF4-FFF2-40B4-BE49-F238E27FC236}">
-                <a16:creationId xmlns:a16="http://schemas.microsoft.com/office/drawing/2014/main" id="{E28D8249-8000-300C-D34E-63BC65DB3D24}"/>
+                <a16:creationId xmlns:a16="http://schemas.microsoft.com/office/drawing/2014/main" id="{C42C0102-DAEE-CAD1-6FAA-94B669DC1798}"/>
               </a:ext>
             </a:extLst>
           </p:cNvPr>
@@ -2801,7 +2801,7 @@
           <p:cNvPr id="3" name="文本占位符 2">
             <a:extLst>
               <a:ext uri="{FF2B5EF4-FFF2-40B4-BE49-F238E27FC236}">
-                <a16:creationId xmlns:a16="http://schemas.microsoft.com/office/drawing/2014/main" id="{E5D4D91F-FB0C-A1F6-3026-445991A621AB}"/>
+                <a16:creationId xmlns:a16="http://schemas.microsoft.com/office/drawing/2014/main" id="{8DF7BE39-1D6E-6A2B-F5DB-504B6B11E64E}"/>
               </a:ext>
             </a:extLst>
           </p:cNvPr>
@@ -2868,7 +2868,7 @@
           <p:cNvPr id="4" name="日期占位符 3">
             <a:extLst>
               <a:ext uri="{FF2B5EF4-FFF2-40B4-BE49-F238E27FC236}">
-                <a16:creationId xmlns:a16="http://schemas.microsoft.com/office/drawing/2014/main" id="{CFEFB83E-7EBE-1DC1-C935-BB9C22C8F6E4}"/>
+                <a16:creationId xmlns:a16="http://schemas.microsoft.com/office/drawing/2014/main" id="{314DC220-9C1B-0C70-78CF-5A6C8792D4A5}"/>
               </a:ext>
             </a:extLst>
           </p:cNvPr>
@@ -2902,7 +2902,7 @@
             </a:lvl1pPr>
           </a:lstStyle>
           <a:p>
-            <a:fld id="{76827FB9-D711-4EBA-9DB8-70F9BD0C58C5}" type="datetimeFigureOut">
+            <a:fld id="{766D612D-3A50-4E64-AC8F-9A49F3D0CF7D}" type="datetimeFigureOut">
               <a:rPr lang="zh-CN" altLang="en-US" smtClean="0"/>
               <a:t>2024/3/10</a:t>
             </a:fld>
@@ -2915,7 +2915,7 @@
           <p:cNvPr id="5" name="页脚占位符 4">
             <a:extLst>
               <a:ext uri="{FF2B5EF4-FFF2-40B4-BE49-F238E27FC236}">
-                <a16:creationId xmlns:a16="http://schemas.microsoft.com/office/drawing/2014/main" id="{5F4BB141-CC8A-7CC9-B52B-B6C729C2FB25}"/>
+                <a16:creationId xmlns:a16="http://schemas.microsoft.com/office/drawing/2014/main" id="{AD4C3AA5-2642-E3E2-5766-90F53270C778}"/>
               </a:ext>
             </a:extLst>
           </p:cNvPr>
@@ -2958,7 +2958,7 @@
           <p:cNvPr id="6" name="灯片编号占位符 5">
             <a:extLst>
               <a:ext uri="{FF2B5EF4-FFF2-40B4-BE49-F238E27FC236}">
-                <a16:creationId xmlns:a16="http://schemas.microsoft.com/office/drawing/2014/main" id="{3F0E3D15-FC7E-641E-0EE9-2519D2ECEB45}"/>
+                <a16:creationId xmlns:a16="http://schemas.microsoft.com/office/drawing/2014/main" id="{A5655F39-3D25-C379-EC7A-CB31F46821E5}"/>
               </a:ext>
             </a:extLst>
           </p:cNvPr>
@@ -2992,7 +2992,7 @@
             </a:lvl1pPr>
           </a:lstStyle>
           <a:p>
-            <a:fld id="{EDB0B158-4505-400A-830A-DD9001AC0768}" type="slidenum">
+            <a:fld id="{77F1E995-8A44-4BAB-8D1C-E104D2A86025}" type="slidenum">
               <a:rPr lang="zh-CN" altLang="en-US" smtClean="0"/>
               <a:t>‹#›</a:t>
             </a:fld>
@@ -3003,7 +3003,7 @@
     </p:spTree>
     <p:extLst>
       <p:ext uri="{BB962C8B-B14F-4D97-AF65-F5344CB8AC3E}">
-        <p14:creationId xmlns:p14="http://schemas.microsoft.com/office/powerpoint/2010/main" val="1461086493"/>
+        <p14:creationId xmlns:p14="http://schemas.microsoft.com/office/powerpoint/2010/main" val="3438952271"/>
       </p:ext>
     </p:extLst>
   </p:cSld>
@@ -3323,7 +3323,7 @@
       </p:grpSpPr>
       <p:pic>
         <p:nvPicPr>
-          <p:cNvPr id="164866" name="Picture 2" descr="160"/>
+          <p:cNvPr id="165890" name="Picture 2" descr="161"/>
           <p:cNvPicPr>
             <a:picLocks noChangeAspect="1" noChangeArrowheads="1"/>
           </p:cNvPicPr>
@@ -3375,11 +3375,158 @@
           </a:extLst>
         </p:spPr>
       </p:pic>
+      <p:pic>
+        <p:nvPicPr>
+          <p:cNvPr id="166915" name="Picture 3" descr="161-2"/>
+          <p:cNvPicPr>
+            <a:picLocks noChangeAspect="1" noChangeArrowheads="1"/>
+          </p:cNvPicPr>
+          <p:nvPr/>
+        </p:nvPicPr>
+        <p:blipFill>
+          <a:blip r:embed="rId3">
+            <a:extLst>
+              <a:ext uri="{28A0092B-C50C-407E-A947-70E740481C1C}">
+                <a14:useLocalDpi xmlns:a14="http://schemas.microsoft.com/office/drawing/2010/main" val="0"/>
+              </a:ext>
+            </a:extLst>
+          </a:blip>
+          <a:srcRect/>
+          <a:stretch>
+            <a:fillRect/>
+          </a:stretch>
+        </p:blipFill>
+        <p:spPr bwMode="auto">
+          <a:xfrm>
+            <a:off x="1524000" y="0"/>
+            <a:ext cx="9144000" cy="6858000"/>
+          </a:xfrm>
+          <a:prstGeom prst="rect">
+            <a:avLst/>
+          </a:prstGeom>
+          <a:noFill/>
+          <a:ln>
+            <a:noFill/>
+          </a:ln>
+          <a:effectLst/>
+          <a:extLst>
+            <a:ext uri="{909E8E84-426E-40DD-AFC4-6F175D3DCCD1}">
+              <a14:hiddenFill xmlns:a14="http://schemas.microsoft.com/office/drawing/2010/main">
+                <a:solidFill>
+                  <a:srgbClr val="FFFFFF"/>
+                </a:solidFill>
+              </a14:hiddenFill>
+            </a:ext>
+            <a:ext uri="{91240B29-F687-4F45-9708-019B960494DF}">
+              <a14:hiddenLine xmlns:a14="http://schemas.microsoft.com/office/drawing/2010/main" w="9525">
+                <a:solidFill>
+                  <a:srgbClr val="000000"/>
+                </a:solidFill>
+                <a:miter lim="800000"/>
+                <a:headEnd/>
+                <a:tailEnd/>
+              </a14:hiddenLine>
+            </a:ext>
+            <a:ext uri="{AF507438-7753-43E0-B8FC-AC1667EBCBE1}">
+              <a14:hiddenEffects xmlns:a14="http://schemas.microsoft.com/office/drawing/2010/main">
+                <a:effectLst>
+                  <a:outerShdw dist="35921" dir="2700000" algn="ctr" rotWithShape="0">
+                    <a:srgbClr val="808080"/>
+                  </a:outerShdw>
+                </a:effectLst>
+              </a14:hiddenEffects>
+            </a:ext>
+          </a:extLst>
+        </p:spPr>
+      </p:pic>
     </p:spTree>
   </p:cSld>
   <p:clrMapOvr>
     <a:masterClrMapping/>
   </p:clrMapOvr>
+  <p:timing>
+    <p:tnLst>
+      <p:par>
+        <p:cTn id="1" dur="indefinite" restart="never" nodeType="tmRoot">
+          <p:childTnLst>
+            <p:seq concurrent="1" nextAc="seek">
+              <p:cTn id="2" dur="indefinite" nodeType="mainSeq">
+                <p:childTnLst>
+                  <p:par>
+                    <p:cTn id="3" fill="hold" nodeType="clickPar">
+                      <p:stCondLst>
+                        <p:cond delay="indefinite"/>
+                      </p:stCondLst>
+                      <p:childTnLst>
+                        <p:par>
+                          <p:cTn id="4" fill="hold" nodeType="withGroup">
+                            <p:stCondLst>
+                              <p:cond delay="0"/>
+                            </p:stCondLst>
+                            <p:childTnLst>
+                              <p:par>
+                                <p:cTn id="5" presetID="10" presetClass="entr" presetSubtype="0" fill="hold" nodeType="clickEffect">
+                                  <p:stCondLst>
+                                    <p:cond delay="0"/>
+                                  </p:stCondLst>
+                                  <p:childTnLst>
+                                    <p:set>
+                                      <p:cBhvr>
+                                        <p:cTn id="6" dur="1" fill="hold">
+                                          <p:stCondLst>
+                                            <p:cond delay="0"/>
+                                          </p:stCondLst>
+                                        </p:cTn>
+                                        <p:tgtEl>
+                                          <p:spTgt spid="166915"/>
+                                        </p:tgtEl>
+                                        <p:attrNameLst>
+                                          <p:attrName>style.visibility</p:attrName>
+                                        </p:attrNameLst>
+                                      </p:cBhvr>
+                                      <p:to>
+                                        <p:strVal val="visible"/>
+                                      </p:to>
+                                    </p:set>
+                                    <p:animEffect transition="in" filter="fade">
+                                      <p:cBhvr>
+                                        <p:cTn id="7" dur="500"/>
+                                        <p:tgtEl>
+                                          <p:spTgt spid="166915"/>
+                                        </p:tgtEl>
+                                      </p:cBhvr>
+                                    </p:animEffect>
+                                  </p:childTnLst>
+                                </p:cTn>
+                              </p:par>
+                            </p:childTnLst>
+                          </p:cTn>
+                        </p:par>
+                      </p:childTnLst>
+                    </p:cTn>
+                  </p:par>
+                </p:childTnLst>
+              </p:cTn>
+              <p:prevCondLst>
+                <p:cond evt="onPrev" delay="0">
+                  <p:tgtEl>
+                    <p:sldTgt/>
+                  </p:tgtEl>
+                </p:cond>
+              </p:prevCondLst>
+              <p:nextCondLst>
+                <p:cond evt="onNext" delay="0">
+                  <p:tgtEl>
+                    <p:sldTgt/>
+                  </p:tgtEl>
+                </p:cond>
+              </p:nextCondLst>
+            </p:seq>
+          </p:childTnLst>
+        </p:cTn>
+      </p:par>
+    </p:tnLst>
+  </p:timing>
 </p:sld>
 </file>
 
